--- a/Lessons/doc/array-slides.pptx
+++ b/Lessons/doc/array-slides.pptx
@@ -3552,7 +3552,7 @@
         </p:spPr>
         <p:txBody>
           <a:bodyPr>
-            <a:normAutofit lnSpcReduction="10000"/>
+            <a:normAutofit fontScale="92500" lnSpcReduction="10000"/>
           </a:bodyPr>
           <a:lstStyle/>
           <a:p>
@@ -3588,22 +3588,18 @@
                 <a:latin typeface="Arial" panose="020B0604020202020204" pitchFamily="34" charset="0"/>
                 <a:cs typeface="Arial" panose="020B0604020202020204" pitchFamily="34" charset="0"/>
               </a:rPr>
-              <a:t>They are defined in the System namespace in C#</a:t>
-            </a:r>
-          </a:p>
-          <a:p>
-            <a:r>
-              <a:rPr lang="en-US" sz="2200" dirty="0">
+              <a:t>They are primitive objects defined in the </a:t>
+            </a:r>
+            <a:r>
+              <a:rPr lang="en-US" sz="2200" b="1" dirty="0">
                 <a:solidFill>
                   <a:srgbClr val="7C8A98"/>
                 </a:solidFill>
                 <a:latin typeface="Arial" panose="020B0604020202020204" pitchFamily="34" charset="0"/>
                 <a:cs typeface="Arial" panose="020B0604020202020204" pitchFamily="34" charset="0"/>
               </a:rPr>
-              <a:t>Arrays must be initialized (created) with a fixed length</a:t>
-            </a:r>
-          </a:p>
-          <a:p>
+              <a:t>System</a:t>
+            </a:r>
             <a:r>
               <a:rPr lang="en-US" sz="2200" dirty="0">
                 <a:solidFill>
@@ -3612,18 +3608,22 @@
                 <a:latin typeface="Arial" panose="020B0604020202020204" pitchFamily="34" charset="0"/>
                 <a:cs typeface="Arial" panose="020B0604020202020204" pitchFamily="34" charset="0"/>
               </a:rPr>
-              <a:t>Array </a:t>
-            </a:r>
-            <a:r>
-              <a:rPr lang="en-US" sz="2200" b="1" dirty="0">
+              <a:t> namespace in C#</a:t>
+            </a:r>
+          </a:p>
+          <a:p>
+            <a:r>
+              <a:rPr lang="en-US" sz="2200" dirty="0">
                 <a:solidFill>
                   <a:srgbClr val="7C8A98"/>
                 </a:solidFill>
                 <a:latin typeface="Arial" panose="020B0604020202020204" pitchFamily="34" charset="0"/>
                 <a:cs typeface="Arial" panose="020B0604020202020204" pitchFamily="34" charset="0"/>
               </a:rPr>
-              <a:t>elements</a:t>
-            </a:r>
+              <a:t>Arrays must be initialized (created) with a fixed length and number of dimensions</a:t>
+            </a:r>
+          </a:p>
+          <a:p>
             <a:r>
               <a:rPr lang="en-US" sz="2200" dirty="0">
                 <a:solidFill>
@@ -3632,27 +3632,99 @@
                 <a:latin typeface="Arial" panose="020B0604020202020204" pitchFamily="34" charset="0"/>
                 <a:cs typeface="Arial" panose="020B0604020202020204" pitchFamily="34" charset="0"/>
               </a:rPr>
-              <a:t> are individually accessed by </a:t>
-            </a:r>
-            <a:r>
-              <a:rPr lang="en-US" sz="2200" b="1" dirty="0">
+              <a:t>The size and dimensions cannot be changed during the lifetime of the instance</a:t>
+            </a:r>
+          </a:p>
+          <a:p>
+            <a:r>
+              <a:rPr lang="en-US" sz="2200" dirty="0">
                 <a:solidFill>
                   <a:srgbClr val="7C8A98"/>
                 </a:solidFill>
                 <a:latin typeface="Arial" panose="020B0604020202020204" pitchFamily="34" charset="0"/>
                 <a:cs typeface="Arial" panose="020B0604020202020204" pitchFamily="34" charset="0"/>
               </a:rPr>
-              <a:t>index</a:t>
-            </a:r>
-            <a:r>
-              <a:rPr lang="en-US" sz="2200" dirty="0">
+              <a:t>Array </a:t>
+            </a:r>
+            <a:r>
+              <a:rPr lang="en-US" sz="2200" b="1" dirty="0">
                 <a:solidFill>
                   <a:srgbClr val="7C8A98"/>
                 </a:solidFill>
                 <a:latin typeface="Arial" panose="020B0604020202020204" pitchFamily="34" charset="0"/>
                 <a:cs typeface="Arial" panose="020B0604020202020204" pitchFamily="34" charset="0"/>
               </a:rPr>
-              <a:t> (Indexers)</a:t>
+              <a:t>elements</a:t>
+            </a:r>
+            <a:r>
+              <a:rPr lang="en-US" sz="2200" dirty="0">
+                <a:solidFill>
+                  <a:srgbClr val="7C8A98"/>
+                </a:solidFill>
+                <a:latin typeface="Arial" panose="020B0604020202020204" pitchFamily="34" charset="0"/>
+                <a:cs typeface="Arial" panose="020B0604020202020204" pitchFamily="34" charset="0"/>
+              </a:rPr>
+              <a:t> can </a:t>
+            </a:r>
+            <a:r>
+              <a:rPr lang="en-US" sz="2200">
+                <a:solidFill>
+                  <a:srgbClr val="7C8A98"/>
+                </a:solidFill>
+                <a:latin typeface="Arial" panose="020B0604020202020204" pitchFamily="34" charset="0"/>
+                <a:cs typeface="Arial" panose="020B0604020202020204" pitchFamily="34" charset="0"/>
+              </a:rPr>
+              <a:t>be accessed </a:t>
+            </a:r>
+            <a:r>
+              <a:rPr lang="en-US" sz="2200" dirty="0">
+                <a:solidFill>
+                  <a:srgbClr val="7C8A98"/>
+                </a:solidFill>
+                <a:latin typeface="Arial" panose="020B0604020202020204" pitchFamily="34" charset="0"/>
+                <a:cs typeface="Arial" panose="020B0604020202020204" pitchFamily="34" charset="0"/>
+              </a:rPr>
+              <a:t>by </a:t>
+            </a:r>
+            <a:r>
+              <a:rPr lang="en-US" sz="2200" b="1" dirty="0">
+                <a:solidFill>
+                  <a:srgbClr val="7C8A98"/>
+                </a:solidFill>
+                <a:latin typeface="Arial" panose="020B0604020202020204" pitchFamily="34" charset="0"/>
+                <a:cs typeface="Arial" panose="020B0604020202020204" pitchFamily="34" charset="0"/>
+              </a:rPr>
+              <a:t>index</a:t>
+            </a:r>
+            <a:r>
+              <a:rPr lang="en-US" sz="2200" dirty="0">
+                <a:solidFill>
+                  <a:srgbClr val="7C8A98"/>
+                </a:solidFill>
+                <a:latin typeface="Arial" panose="020B0604020202020204" pitchFamily="34" charset="0"/>
+                <a:cs typeface="Arial" panose="020B0604020202020204" pitchFamily="34" charset="0"/>
+              </a:rPr>
+              <a:t> </a:t>
+            </a:r>
+            <a:r>
+              <a:rPr lang="en-US" sz="2200">
+                <a:solidFill>
+                  <a:srgbClr val="7C8A98"/>
+                </a:solidFill>
+                <a:latin typeface="Arial" panose="020B0604020202020204" pitchFamily="34" charset="0"/>
+                <a:cs typeface="Arial" panose="020B0604020202020204" pitchFamily="34" charset="0"/>
+              </a:rPr>
+              <a:t>(Indexer by </a:t>
+            </a:r>
+            <a:r>
+              <a:rPr lang="en-US" sz="2200" dirty="0">
+                <a:solidFill>
+                  <a:srgbClr val="7C8A98"/>
+                </a:solidFill>
+                <a:latin typeface="Arial" panose="020B0604020202020204" pitchFamily="34" charset="0"/>
+                <a:cs typeface="Arial" panose="020B0604020202020204" pitchFamily="34" charset="0"/>
+              </a:rPr>
+              <a:t>implementing IList interface)</a:t>
             </a:r>
           </a:p>
           <a:p>
@@ -4725,7 +4797,7 @@
                 </a:solidFill>
                 <a:latin typeface="Consolas" panose="020B0609020204030204" pitchFamily="49" charset="0"/>
               </a:rPr>
-              <a:t>// Declare a two dimensional array.</a:t>
+              <a:t>// Declare a two-dimensional array.</a:t>
             </a:r>
             <a:endParaRPr lang="en-US" sz="1800" dirty="0">
               <a:solidFill>
